--- a/images/新建 PPTX 演示文稿.pptx
+++ b/images/新建 PPTX 演示文稿.pptx
@@ -4,6 +4,9 @@
   <p:sldMasterIdLst>
     <p:sldMasterId id="2147483648" r:id="rId1"/>
   </p:sldMasterIdLst>
+  <p:sldIdLst>
+    <p:sldId id="256" r:id="rId2"/>
+  </p:sldIdLst>
   <p:sldSz cx="12192000" cy="6858000"/>
   <p:notesSz cx="6858000" cy="9144000"/>
   <p:defaultTextStyle>
@@ -101,6 +104,11 @@
       </a:defRPr>
     </a:lvl9pPr>
   </p:defaultTextStyle>
+  <p:extLst>
+    <p:ext uri="{EFAFB233-063F-42B5-8137-9DF3F51BA10A}">
+      <p15:sldGuideLst xmlns:p15="http://schemas.microsoft.com/office/powerpoint/2012/main"/>
+    </p:ext>
+  </p:extLst>
 </p:presentation>
 </file>
 
@@ -146,10 +154,9 @@
           </a:lstStyle>
           <a:p>
             <a:r>
-              <a:rPr lang="zh-CN" altLang="en-US" smtClean="0"/>
+              <a:rPr lang="zh-CN" altLang="en-US"/>
               <a:t>单击此处编辑母版标题样式</a:t>
             </a:r>
-            <a:endParaRPr lang="zh-CN" altLang="en-US"/>
           </a:p>
         </p:txBody>
       </p:sp>
@@ -211,10 +218,9 @@
           </a:lstStyle>
           <a:p>
             <a:r>
-              <a:rPr lang="zh-CN" altLang="en-US" smtClean="0"/>
+              <a:rPr lang="zh-CN" altLang="en-US"/>
               <a:t>单击此处编辑母版副标题样式</a:t>
             </a:r>
-            <a:endParaRPr lang="zh-CN" altLang="en-US"/>
           </a:p>
         </p:txBody>
       </p:sp>
@@ -235,7 +241,7 @@
           <a:p>
             <a:fld id="{D997B5FA-0921-464F-AAE1-844C04324D75}" type="datetimeFigureOut">
               <a:rPr lang="zh-CN" altLang="en-US" smtClean="0"/>
-              <a:t>2015/5/5</a:t>
+              <a:t>2020/3/19</a:t>
             </a:fld>
             <a:endParaRPr lang="zh-CN" altLang="en-US"/>
           </a:p>
@@ -329,10 +335,9 @@
           <a:lstStyle/>
           <a:p>
             <a:r>
-              <a:rPr lang="zh-CN" altLang="en-US" smtClean="0"/>
+              <a:rPr lang="zh-CN" altLang="en-US"/>
               <a:t>单击此处编辑母版标题样式</a:t>
             </a:r>
-            <a:endParaRPr lang="zh-CN" altLang="en-US"/>
           </a:p>
         </p:txBody>
       </p:sp>
@@ -353,38 +358,37 @@
           <a:p>
             <a:pPr lvl="0"/>
             <a:r>
-              <a:rPr lang="zh-CN" altLang="en-US" smtClean="0"/>
+              <a:rPr lang="zh-CN" altLang="en-US"/>
               <a:t>单击此处编辑母版文本样式</a:t>
             </a:r>
           </a:p>
           <a:p>
             <a:pPr lvl="1"/>
             <a:r>
-              <a:rPr lang="zh-CN" altLang="en-US" smtClean="0"/>
+              <a:rPr lang="zh-CN" altLang="en-US"/>
               <a:t>第二级</a:t>
             </a:r>
           </a:p>
           <a:p>
             <a:pPr lvl="2"/>
             <a:r>
-              <a:rPr lang="zh-CN" altLang="en-US" smtClean="0"/>
+              <a:rPr lang="zh-CN" altLang="en-US"/>
               <a:t>第三级</a:t>
             </a:r>
           </a:p>
           <a:p>
             <a:pPr lvl="3"/>
             <a:r>
-              <a:rPr lang="zh-CN" altLang="en-US" smtClean="0"/>
+              <a:rPr lang="zh-CN" altLang="en-US"/>
               <a:t>第四级</a:t>
             </a:r>
           </a:p>
           <a:p>
             <a:pPr lvl="4"/>
             <a:r>
-              <a:rPr lang="zh-CN" altLang="en-US" smtClean="0"/>
+              <a:rPr lang="zh-CN" altLang="en-US"/>
               <a:t>第五级</a:t>
             </a:r>
-            <a:endParaRPr lang="zh-CN" altLang="en-US"/>
           </a:p>
         </p:txBody>
       </p:sp>
@@ -405,7 +409,7 @@
           <a:p>
             <a:fld id="{D997B5FA-0921-464F-AAE1-844C04324D75}" type="datetimeFigureOut">
               <a:rPr lang="zh-CN" altLang="en-US" smtClean="0"/>
-              <a:t>2015/5/5</a:t>
+              <a:t>2020/3/19</a:t>
             </a:fld>
             <a:endParaRPr lang="zh-CN" altLang="en-US"/>
           </a:p>
@@ -504,10 +508,9 @@
           <a:lstStyle/>
           <a:p>
             <a:r>
-              <a:rPr lang="zh-CN" altLang="en-US" smtClean="0"/>
+              <a:rPr lang="zh-CN" altLang="en-US"/>
               <a:t>单击此处编辑母版标题样式</a:t>
             </a:r>
-            <a:endParaRPr lang="zh-CN" altLang="en-US"/>
           </a:p>
         </p:txBody>
       </p:sp>
@@ -533,38 +536,37 @@
           <a:p>
             <a:pPr lvl="0"/>
             <a:r>
-              <a:rPr lang="zh-CN" altLang="en-US" smtClean="0"/>
+              <a:rPr lang="zh-CN" altLang="en-US"/>
               <a:t>单击此处编辑母版文本样式</a:t>
             </a:r>
           </a:p>
           <a:p>
             <a:pPr lvl="1"/>
             <a:r>
-              <a:rPr lang="zh-CN" altLang="en-US" smtClean="0"/>
+              <a:rPr lang="zh-CN" altLang="en-US"/>
               <a:t>第二级</a:t>
             </a:r>
           </a:p>
           <a:p>
             <a:pPr lvl="2"/>
             <a:r>
-              <a:rPr lang="zh-CN" altLang="en-US" smtClean="0"/>
+              <a:rPr lang="zh-CN" altLang="en-US"/>
               <a:t>第三级</a:t>
             </a:r>
           </a:p>
           <a:p>
             <a:pPr lvl="3"/>
             <a:r>
-              <a:rPr lang="zh-CN" altLang="en-US" smtClean="0"/>
+              <a:rPr lang="zh-CN" altLang="en-US"/>
               <a:t>第四级</a:t>
             </a:r>
           </a:p>
           <a:p>
             <a:pPr lvl="4"/>
             <a:r>
-              <a:rPr lang="zh-CN" altLang="en-US" smtClean="0"/>
+              <a:rPr lang="zh-CN" altLang="en-US"/>
               <a:t>第五级</a:t>
             </a:r>
-            <a:endParaRPr lang="zh-CN" altLang="en-US"/>
           </a:p>
         </p:txBody>
       </p:sp>
@@ -585,7 +587,7 @@
           <a:p>
             <a:fld id="{D997B5FA-0921-464F-AAE1-844C04324D75}" type="datetimeFigureOut">
               <a:rPr lang="zh-CN" altLang="en-US" smtClean="0"/>
-              <a:t>2015/5/5</a:t>
+              <a:t>2020/3/19</a:t>
             </a:fld>
             <a:endParaRPr lang="zh-CN" altLang="en-US"/>
           </a:p>
@@ -679,10 +681,9 @@
           <a:lstStyle/>
           <a:p>
             <a:r>
-              <a:rPr lang="zh-CN" altLang="en-US" smtClean="0"/>
+              <a:rPr lang="zh-CN" altLang="en-US"/>
               <a:t>单击此处编辑母版标题样式</a:t>
             </a:r>
-            <a:endParaRPr lang="zh-CN" altLang="en-US"/>
           </a:p>
         </p:txBody>
       </p:sp>
@@ -703,38 +704,37 @@
           <a:p>
             <a:pPr lvl="0"/>
             <a:r>
-              <a:rPr lang="zh-CN" altLang="en-US" smtClean="0"/>
+              <a:rPr lang="zh-CN" altLang="en-US"/>
               <a:t>单击此处编辑母版文本样式</a:t>
             </a:r>
           </a:p>
           <a:p>
             <a:pPr lvl="1"/>
             <a:r>
-              <a:rPr lang="zh-CN" altLang="en-US" smtClean="0"/>
+              <a:rPr lang="zh-CN" altLang="en-US"/>
               <a:t>第二级</a:t>
             </a:r>
           </a:p>
           <a:p>
             <a:pPr lvl="2"/>
             <a:r>
-              <a:rPr lang="zh-CN" altLang="en-US" smtClean="0"/>
+              <a:rPr lang="zh-CN" altLang="en-US"/>
               <a:t>第三级</a:t>
             </a:r>
           </a:p>
           <a:p>
             <a:pPr lvl="3"/>
             <a:r>
-              <a:rPr lang="zh-CN" altLang="en-US" smtClean="0"/>
+              <a:rPr lang="zh-CN" altLang="en-US"/>
               <a:t>第四级</a:t>
             </a:r>
           </a:p>
           <a:p>
             <a:pPr lvl="4"/>
             <a:r>
-              <a:rPr lang="zh-CN" altLang="en-US" smtClean="0"/>
+              <a:rPr lang="zh-CN" altLang="en-US"/>
               <a:t>第五级</a:t>
             </a:r>
-            <a:endParaRPr lang="zh-CN" altLang="en-US"/>
           </a:p>
         </p:txBody>
       </p:sp>
@@ -755,7 +755,7 @@
           <a:p>
             <a:fld id="{D997B5FA-0921-464F-AAE1-844C04324D75}" type="datetimeFigureOut">
               <a:rPr lang="zh-CN" altLang="en-US" smtClean="0"/>
-              <a:t>2015/5/5</a:t>
+              <a:t>2020/3/19</a:t>
             </a:fld>
             <a:endParaRPr lang="zh-CN" altLang="en-US"/>
           </a:p>
@@ -858,10 +858,9 @@
           </a:lstStyle>
           <a:p>
             <a:r>
-              <a:rPr lang="zh-CN" altLang="en-US" smtClean="0"/>
+              <a:rPr lang="zh-CN" altLang="en-US"/>
               <a:t>单击此处编辑母版标题样式</a:t>
             </a:r>
-            <a:endParaRPr lang="zh-CN" altLang="en-US"/>
           </a:p>
         </p:txBody>
       </p:sp>
@@ -978,7 +977,7 @@
           <a:p>
             <a:pPr lvl="0"/>
             <a:r>
-              <a:rPr lang="zh-CN" altLang="en-US" smtClean="0"/>
+              <a:rPr lang="zh-CN" altLang="en-US"/>
               <a:t>单击此处编辑母版文本样式</a:t>
             </a:r>
           </a:p>
@@ -1001,7 +1000,7 @@
           <a:p>
             <a:fld id="{D997B5FA-0921-464F-AAE1-844C04324D75}" type="datetimeFigureOut">
               <a:rPr lang="zh-CN" altLang="en-US" smtClean="0"/>
-              <a:t>2015/5/5</a:t>
+              <a:t>2020/3/19</a:t>
             </a:fld>
             <a:endParaRPr lang="zh-CN" altLang="en-US"/>
           </a:p>
@@ -1095,10 +1094,9 @@
           <a:lstStyle/>
           <a:p>
             <a:r>
-              <a:rPr lang="zh-CN" altLang="en-US" smtClean="0"/>
+              <a:rPr lang="zh-CN" altLang="en-US"/>
               <a:t>单击此处编辑母版标题样式</a:t>
             </a:r>
-            <a:endParaRPr lang="zh-CN" altLang="en-US"/>
           </a:p>
         </p:txBody>
       </p:sp>
@@ -1124,38 +1122,37 @@
           <a:p>
             <a:pPr lvl="0"/>
             <a:r>
-              <a:rPr lang="zh-CN" altLang="en-US" smtClean="0"/>
+              <a:rPr lang="zh-CN" altLang="en-US"/>
               <a:t>单击此处编辑母版文本样式</a:t>
             </a:r>
           </a:p>
           <a:p>
             <a:pPr lvl="1"/>
             <a:r>
-              <a:rPr lang="zh-CN" altLang="en-US" smtClean="0"/>
+              <a:rPr lang="zh-CN" altLang="en-US"/>
               <a:t>第二级</a:t>
             </a:r>
           </a:p>
           <a:p>
             <a:pPr lvl="2"/>
             <a:r>
-              <a:rPr lang="zh-CN" altLang="en-US" smtClean="0"/>
+              <a:rPr lang="zh-CN" altLang="en-US"/>
               <a:t>第三级</a:t>
             </a:r>
           </a:p>
           <a:p>
             <a:pPr lvl="3"/>
             <a:r>
-              <a:rPr lang="zh-CN" altLang="en-US" smtClean="0"/>
+              <a:rPr lang="zh-CN" altLang="en-US"/>
               <a:t>第四级</a:t>
             </a:r>
           </a:p>
           <a:p>
             <a:pPr lvl="4"/>
             <a:r>
-              <a:rPr lang="zh-CN" altLang="en-US" smtClean="0"/>
+              <a:rPr lang="zh-CN" altLang="en-US"/>
               <a:t>第五级</a:t>
             </a:r>
-            <a:endParaRPr lang="zh-CN" altLang="en-US"/>
           </a:p>
         </p:txBody>
       </p:sp>
@@ -1181,38 +1178,37 @@
           <a:p>
             <a:pPr lvl="0"/>
             <a:r>
-              <a:rPr lang="zh-CN" altLang="en-US" smtClean="0"/>
+              <a:rPr lang="zh-CN" altLang="en-US"/>
               <a:t>单击此处编辑母版文本样式</a:t>
             </a:r>
           </a:p>
           <a:p>
             <a:pPr lvl="1"/>
             <a:r>
-              <a:rPr lang="zh-CN" altLang="en-US" smtClean="0"/>
+              <a:rPr lang="zh-CN" altLang="en-US"/>
               <a:t>第二级</a:t>
             </a:r>
           </a:p>
           <a:p>
             <a:pPr lvl="2"/>
             <a:r>
-              <a:rPr lang="zh-CN" altLang="en-US" smtClean="0"/>
+              <a:rPr lang="zh-CN" altLang="en-US"/>
               <a:t>第三级</a:t>
             </a:r>
           </a:p>
           <a:p>
             <a:pPr lvl="3"/>
             <a:r>
-              <a:rPr lang="zh-CN" altLang="en-US" smtClean="0"/>
+              <a:rPr lang="zh-CN" altLang="en-US"/>
               <a:t>第四级</a:t>
             </a:r>
           </a:p>
           <a:p>
             <a:pPr lvl="4"/>
             <a:r>
-              <a:rPr lang="zh-CN" altLang="en-US" smtClean="0"/>
+              <a:rPr lang="zh-CN" altLang="en-US"/>
               <a:t>第五级</a:t>
             </a:r>
-            <a:endParaRPr lang="zh-CN" altLang="en-US"/>
           </a:p>
         </p:txBody>
       </p:sp>
@@ -1233,7 +1229,7 @@
           <a:p>
             <a:fld id="{D997B5FA-0921-464F-AAE1-844C04324D75}" type="datetimeFigureOut">
               <a:rPr lang="zh-CN" altLang="en-US" smtClean="0"/>
-              <a:t>2015/5/5</a:t>
+              <a:t>2020/3/19</a:t>
             </a:fld>
             <a:endParaRPr lang="zh-CN" altLang="en-US"/>
           </a:p>
@@ -1332,10 +1328,9 @@
           <a:lstStyle/>
           <a:p>
             <a:r>
-              <a:rPr lang="zh-CN" altLang="en-US" smtClean="0"/>
+              <a:rPr lang="zh-CN" altLang="en-US"/>
               <a:t>单击此处编辑母版标题样式</a:t>
             </a:r>
-            <a:endParaRPr lang="zh-CN" altLang="en-US"/>
           </a:p>
         </p:txBody>
       </p:sp>
@@ -1398,7 +1393,7 @@
           <a:p>
             <a:pPr lvl="0"/>
             <a:r>
-              <a:rPr lang="zh-CN" altLang="en-US" smtClean="0"/>
+              <a:rPr lang="zh-CN" altLang="en-US"/>
               <a:t>单击此处编辑母版文本样式</a:t>
             </a:r>
           </a:p>
@@ -1426,38 +1421,37 @@
           <a:p>
             <a:pPr lvl="0"/>
             <a:r>
-              <a:rPr lang="zh-CN" altLang="en-US" smtClean="0"/>
+              <a:rPr lang="zh-CN" altLang="en-US"/>
               <a:t>单击此处编辑母版文本样式</a:t>
             </a:r>
           </a:p>
           <a:p>
             <a:pPr lvl="1"/>
             <a:r>
-              <a:rPr lang="zh-CN" altLang="en-US" smtClean="0"/>
+              <a:rPr lang="zh-CN" altLang="en-US"/>
               <a:t>第二级</a:t>
             </a:r>
           </a:p>
           <a:p>
             <a:pPr lvl="2"/>
             <a:r>
-              <a:rPr lang="zh-CN" altLang="en-US" smtClean="0"/>
+              <a:rPr lang="zh-CN" altLang="en-US"/>
               <a:t>第三级</a:t>
             </a:r>
           </a:p>
           <a:p>
             <a:pPr lvl="3"/>
             <a:r>
-              <a:rPr lang="zh-CN" altLang="en-US" smtClean="0"/>
+              <a:rPr lang="zh-CN" altLang="en-US"/>
               <a:t>第四级</a:t>
             </a:r>
           </a:p>
           <a:p>
             <a:pPr lvl="4"/>
             <a:r>
-              <a:rPr lang="zh-CN" altLang="en-US" smtClean="0"/>
+              <a:rPr lang="zh-CN" altLang="en-US"/>
               <a:t>第五级</a:t>
             </a:r>
-            <a:endParaRPr lang="zh-CN" altLang="en-US"/>
           </a:p>
         </p:txBody>
       </p:sp>
@@ -1520,7 +1514,7 @@
           <a:p>
             <a:pPr lvl="0"/>
             <a:r>
-              <a:rPr lang="zh-CN" altLang="en-US" smtClean="0"/>
+              <a:rPr lang="zh-CN" altLang="en-US"/>
               <a:t>单击此处编辑母版文本样式</a:t>
             </a:r>
           </a:p>
@@ -1548,38 +1542,37 @@
           <a:p>
             <a:pPr lvl="0"/>
             <a:r>
-              <a:rPr lang="zh-CN" altLang="en-US" smtClean="0"/>
+              <a:rPr lang="zh-CN" altLang="en-US"/>
               <a:t>单击此处编辑母版文本样式</a:t>
             </a:r>
           </a:p>
           <a:p>
             <a:pPr lvl="1"/>
             <a:r>
-              <a:rPr lang="zh-CN" altLang="en-US" smtClean="0"/>
+              <a:rPr lang="zh-CN" altLang="en-US"/>
               <a:t>第二级</a:t>
             </a:r>
           </a:p>
           <a:p>
             <a:pPr lvl="2"/>
             <a:r>
-              <a:rPr lang="zh-CN" altLang="en-US" smtClean="0"/>
+              <a:rPr lang="zh-CN" altLang="en-US"/>
               <a:t>第三级</a:t>
             </a:r>
           </a:p>
           <a:p>
             <a:pPr lvl="3"/>
             <a:r>
-              <a:rPr lang="zh-CN" altLang="en-US" smtClean="0"/>
+              <a:rPr lang="zh-CN" altLang="en-US"/>
               <a:t>第四级</a:t>
             </a:r>
           </a:p>
           <a:p>
             <a:pPr lvl="4"/>
             <a:r>
-              <a:rPr lang="zh-CN" altLang="en-US" smtClean="0"/>
+              <a:rPr lang="zh-CN" altLang="en-US"/>
               <a:t>第五级</a:t>
             </a:r>
-            <a:endParaRPr lang="zh-CN" altLang="en-US"/>
           </a:p>
         </p:txBody>
       </p:sp>
@@ -1600,7 +1593,7 @@
           <a:p>
             <a:fld id="{D997B5FA-0921-464F-AAE1-844C04324D75}" type="datetimeFigureOut">
               <a:rPr lang="zh-CN" altLang="en-US" smtClean="0"/>
-              <a:t>2015/5/5</a:t>
+              <a:t>2020/3/19</a:t>
             </a:fld>
             <a:endParaRPr lang="zh-CN" altLang="en-US"/>
           </a:p>
@@ -1694,10 +1687,9 @@
           <a:lstStyle/>
           <a:p>
             <a:r>
-              <a:rPr lang="zh-CN" altLang="en-US" smtClean="0"/>
+              <a:rPr lang="zh-CN" altLang="en-US"/>
               <a:t>单击此处编辑母版标题样式</a:t>
             </a:r>
-            <a:endParaRPr lang="zh-CN" altLang="en-US"/>
           </a:p>
         </p:txBody>
       </p:sp>
@@ -1718,7 +1710,7 @@
           <a:p>
             <a:fld id="{D997B5FA-0921-464F-AAE1-844C04324D75}" type="datetimeFigureOut">
               <a:rPr lang="zh-CN" altLang="en-US" smtClean="0"/>
-              <a:t>2015/5/5</a:t>
+              <a:t>2020/3/19</a:t>
             </a:fld>
             <a:endParaRPr lang="zh-CN" altLang="en-US"/>
           </a:p>
@@ -1813,7 +1805,7 @@
           <a:p>
             <a:fld id="{D997B5FA-0921-464F-AAE1-844C04324D75}" type="datetimeFigureOut">
               <a:rPr lang="zh-CN" altLang="en-US" smtClean="0"/>
-              <a:t>2015/5/5</a:t>
+              <a:t>2020/3/19</a:t>
             </a:fld>
             <a:endParaRPr lang="zh-CN" altLang="en-US"/>
           </a:p>
@@ -1916,10 +1908,9 @@
           </a:lstStyle>
           <a:p>
             <a:r>
-              <a:rPr lang="zh-CN" altLang="en-US" smtClean="0"/>
+              <a:rPr lang="zh-CN" altLang="en-US"/>
               <a:t>单击此处编辑母版标题样式</a:t>
             </a:r>
-            <a:endParaRPr lang="zh-CN" altLang="en-US"/>
           </a:p>
         </p:txBody>
       </p:sp>
@@ -1973,38 +1964,37 @@
           <a:p>
             <a:pPr lvl="0"/>
             <a:r>
-              <a:rPr lang="zh-CN" altLang="en-US" smtClean="0"/>
+              <a:rPr lang="zh-CN" altLang="en-US"/>
               <a:t>单击此处编辑母版文本样式</a:t>
             </a:r>
           </a:p>
           <a:p>
             <a:pPr lvl="1"/>
             <a:r>
-              <a:rPr lang="zh-CN" altLang="en-US" smtClean="0"/>
+              <a:rPr lang="zh-CN" altLang="en-US"/>
               <a:t>第二级</a:t>
             </a:r>
           </a:p>
           <a:p>
             <a:pPr lvl="2"/>
             <a:r>
-              <a:rPr lang="zh-CN" altLang="en-US" smtClean="0"/>
+              <a:rPr lang="zh-CN" altLang="en-US"/>
               <a:t>第三级</a:t>
             </a:r>
           </a:p>
           <a:p>
             <a:pPr lvl="3"/>
             <a:r>
-              <a:rPr lang="zh-CN" altLang="en-US" smtClean="0"/>
+              <a:rPr lang="zh-CN" altLang="en-US"/>
               <a:t>第四级</a:t>
             </a:r>
           </a:p>
           <a:p>
             <a:pPr lvl="4"/>
             <a:r>
-              <a:rPr lang="zh-CN" altLang="en-US" smtClean="0"/>
+              <a:rPr lang="zh-CN" altLang="en-US"/>
               <a:t>第五级</a:t>
             </a:r>
-            <a:endParaRPr lang="zh-CN" altLang="en-US"/>
           </a:p>
         </p:txBody>
       </p:sp>
@@ -2067,7 +2057,7 @@
           <a:p>
             <a:pPr lvl="0"/>
             <a:r>
-              <a:rPr lang="zh-CN" altLang="en-US" smtClean="0"/>
+              <a:rPr lang="zh-CN" altLang="en-US"/>
               <a:t>单击此处编辑母版文本样式</a:t>
             </a:r>
           </a:p>
@@ -2090,7 +2080,7 @@
           <a:p>
             <a:fld id="{D997B5FA-0921-464F-AAE1-844C04324D75}" type="datetimeFigureOut">
               <a:rPr lang="zh-CN" altLang="en-US" smtClean="0"/>
-              <a:t>2015/5/5</a:t>
+              <a:t>2020/3/19</a:t>
             </a:fld>
             <a:endParaRPr lang="zh-CN" altLang="en-US"/>
           </a:p>
@@ -2193,10 +2183,9 @@
           </a:lstStyle>
           <a:p>
             <a:r>
-              <a:rPr lang="zh-CN" altLang="en-US" smtClean="0"/>
+              <a:rPr lang="zh-CN" altLang="en-US"/>
               <a:t>单击此处编辑母版标题样式</a:t>
             </a:r>
-            <a:endParaRPr lang="zh-CN" altLang="en-US"/>
           </a:p>
         </p:txBody>
       </p:sp>
@@ -2320,7 +2309,7 @@
           <a:p>
             <a:pPr lvl="0"/>
             <a:r>
-              <a:rPr lang="zh-CN" altLang="en-US" smtClean="0"/>
+              <a:rPr lang="zh-CN" altLang="en-US"/>
               <a:t>单击此处编辑母版文本样式</a:t>
             </a:r>
           </a:p>
@@ -2343,7 +2332,7 @@
           <a:p>
             <a:fld id="{D997B5FA-0921-464F-AAE1-844C04324D75}" type="datetimeFigureOut">
               <a:rPr lang="zh-CN" altLang="en-US" smtClean="0"/>
-              <a:t>2015/5/5</a:t>
+              <a:t>2020/3/19</a:t>
             </a:fld>
             <a:endParaRPr lang="zh-CN" altLang="en-US"/>
           </a:p>
@@ -2452,10 +2441,9 @@
           <a:lstStyle/>
           <a:p>
             <a:r>
-              <a:rPr lang="zh-CN" altLang="en-US" smtClean="0"/>
+              <a:rPr lang="zh-CN" altLang="en-US"/>
               <a:t>单击此处编辑母版标题样式</a:t>
             </a:r>
-            <a:endParaRPr lang="zh-CN" altLang="en-US"/>
           </a:p>
         </p:txBody>
       </p:sp>
@@ -2486,38 +2474,37 @@
           <a:p>
             <a:pPr lvl="0"/>
             <a:r>
-              <a:rPr lang="zh-CN" altLang="en-US" smtClean="0"/>
+              <a:rPr lang="zh-CN" altLang="en-US"/>
               <a:t>单击此处编辑母版文本样式</a:t>
             </a:r>
           </a:p>
           <a:p>
             <a:pPr lvl="1"/>
             <a:r>
-              <a:rPr lang="zh-CN" altLang="en-US" smtClean="0"/>
+              <a:rPr lang="zh-CN" altLang="en-US"/>
               <a:t>第二级</a:t>
             </a:r>
           </a:p>
           <a:p>
             <a:pPr lvl="2"/>
             <a:r>
-              <a:rPr lang="zh-CN" altLang="en-US" smtClean="0"/>
+              <a:rPr lang="zh-CN" altLang="en-US"/>
               <a:t>第三级</a:t>
             </a:r>
           </a:p>
           <a:p>
             <a:pPr lvl="3"/>
             <a:r>
-              <a:rPr lang="zh-CN" altLang="en-US" smtClean="0"/>
+              <a:rPr lang="zh-CN" altLang="en-US"/>
               <a:t>第四级</a:t>
             </a:r>
           </a:p>
           <a:p>
             <a:pPr lvl="4"/>
             <a:r>
-              <a:rPr lang="zh-CN" altLang="en-US" smtClean="0"/>
+              <a:rPr lang="zh-CN" altLang="en-US"/>
               <a:t>第五级</a:t>
             </a:r>
-            <a:endParaRPr lang="zh-CN" altLang="en-US"/>
           </a:p>
         </p:txBody>
       </p:sp>
@@ -2556,7 +2543,7 @@
           <a:p>
             <a:fld id="{D997B5FA-0921-464F-AAE1-844C04324D75}" type="datetimeFigureOut">
               <a:rPr lang="zh-CN" altLang="en-US" smtClean="0"/>
-              <a:t>2015/5/5</a:t>
+              <a:t>2020/3/19</a:t>
             </a:fld>
             <a:endParaRPr lang="zh-CN" altLang="en-US"/>
           </a:p>
@@ -2944,6 +2931,312 @@
 </p:sldMaster>
 </file>
 
+<file path=ppt/slides/slide1.xml><?xml version="1.0" encoding="utf-8"?>
+<p:sld xmlns:a="http://schemas.openxmlformats.org/drawingml/2006/main" xmlns:r="http://schemas.openxmlformats.org/officeDocument/2006/relationships" xmlns:p="http://schemas.openxmlformats.org/presentationml/2006/main">
+  <p:cSld>
+    <p:bg>
+      <p:bgPr>
+        <a:solidFill>
+          <a:schemeClr val="tx1"/>
+        </a:solidFill>
+        <a:effectLst/>
+      </p:bgPr>
+    </p:bg>
+    <p:spTree>
+      <p:nvGrpSpPr>
+        <p:cNvPr id="1" name=""/>
+        <p:cNvGrpSpPr/>
+        <p:nvPr/>
+      </p:nvGrpSpPr>
+      <p:grpSpPr>
+        <a:xfrm>
+          <a:off x="0" y="0"/>
+          <a:ext cx="0" cy="0"/>
+          <a:chOff x="0" y="0"/>
+          <a:chExt cx="0" cy="0"/>
+        </a:xfrm>
+      </p:grpSpPr>
+      <p:grpSp>
+        <p:nvGrpSpPr>
+          <p:cNvPr id="5" name="Group 4">
+            <a:extLst>
+              <a:ext uri="{FF2B5EF4-FFF2-40B4-BE49-F238E27FC236}">
+                <a16:creationId xmlns:a16="http://schemas.microsoft.com/office/drawing/2014/main" id="{372BFE46-A4DC-4B17-A97F-10F18C535314}"/>
+              </a:ext>
+            </a:extLst>
+          </p:cNvPr>
+          <p:cNvGrpSpPr/>
+          <p:nvPr/>
+        </p:nvGrpSpPr>
+        <p:grpSpPr>
+          <a:xfrm>
+            <a:off x="1496282" y="659348"/>
+            <a:ext cx="3890236" cy="485775"/>
+            <a:chOff x="2037302" y="1390868"/>
+            <a:chExt cx="3890236" cy="485775"/>
+          </a:xfrm>
+        </p:grpSpPr>
+        <p:pic>
+          <p:nvPicPr>
+            <p:cNvPr id="1028" name="Picture 4" descr="logo">
+              <a:extLst>
+                <a:ext uri="{FF2B5EF4-FFF2-40B4-BE49-F238E27FC236}">
+                  <a16:creationId xmlns:a16="http://schemas.microsoft.com/office/drawing/2014/main" id="{94DAD735-19CD-49DA-9C29-917591E51637}"/>
+                </a:ext>
+              </a:extLst>
+            </p:cNvPr>
+            <p:cNvPicPr>
+              <a:picLocks noChangeAspect="1" noChangeArrowheads="1"/>
+            </p:cNvPicPr>
+            <p:nvPr/>
+          </p:nvPicPr>
+          <p:blipFill>
+            <a:blip r:embed="rId2">
+              <a:extLst>
+                <a:ext uri="{28A0092B-C50C-407E-A947-70E740481C1C}">
+                  <a14:useLocalDpi xmlns:a14="http://schemas.microsoft.com/office/drawing/2010/main" val="0"/>
+                </a:ext>
+              </a:extLst>
+            </a:blip>
+            <a:srcRect/>
+            <a:stretch>
+              <a:fillRect/>
+            </a:stretch>
+          </p:blipFill>
+          <p:spPr bwMode="auto">
+            <a:xfrm>
+              <a:off x="2037302" y="1390868"/>
+              <a:ext cx="1943100" cy="485775"/>
+            </a:xfrm>
+            <a:prstGeom prst="rect">
+              <a:avLst/>
+            </a:prstGeom>
+            <a:noFill/>
+            <a:extLst>
+              <a:ext uri="{909E8E84-426E-40DD-AFC4-6F175D3DCCD1}">
+                <a14:hiddenFill xmlns:a14="http://schemas.microsoft.com/office/drawing/2010/main">
+                  <a:solidFill>
+                    <a:srgbClr val="FFFFFF"/>
+                  </a:solidFill>
+                </a14:hiddenFill>
+              </a:ext>
+            </a:extLst>
+          </p:spPr>
+        </p:pic>
+        <p:sp>
+          <p:nvSpPr>
+            <p:cNvPr id="4" name="TextBox 3">
+              <a:extLst>
+                <a:ext uri="{FF2B5EF4-FFF2-40B4-BE49-F238E27FC236}">
+                  <a16:creationId xmlns:a16="http://schemas.microsoft.com/office/drawing/2014/main" id="{1019D1DE-82E1-43F6-AF8A-67C4EAE03737}"/>
+                </a:ext>
+              </a:extLst>
+            </p:cNvPr>
+            <p:cNvSpPr txBox="1"/>
+            <p:nvPr/>
+          </p:nvSpPr>
+          <p:spPr>
+            <a:xfrm>
+              <a:off x="3980402" y="1449089"/>
+              <a:ext cx="1947136" cy="369332"/>
+            </a:xfrm>
+            <a:prstGeom prst="rect">
+              <a:avLst/>
+            </a:prstGeom>
+            <a:noFill/>
+          </p:spPr>
+          <p:txBody>
+            <a:bodyPr wrap="none" rtlCol="0">
+              <a:spAutoFit/>
+            </a:bodyPr>
+            <a:lstStyle/>
+            <a:p>
+              <a:r>
+                <a:rPr lang="en-US" altLang="zh-CN" b="1" dirty="0">
+                  <a:solidFill>
+                    <a:schemeClr val="bg1"/>
+                  </a:solidFill>
+                </a:rPr>
+                <a:t>Image and A.I. Lab</a:t>
+              </a:r>
+              <a:endParaRPr lang="zh-CN" altLang="en-US" b="1" dirty="0">
+                <a:solidFill>
+                  <a:schemeClr val="bg1"/>
+                </a:solidFill>
+              </a:endParaRPr>
+            </a:p>
+          </p:txBody>
+        </p:sp>
+      </p:grpSp>
+      <p:grpSp>
+        <p:nvGrpSpPr>
+          <p:cNvPr id="12" name="Group 11">
+            <a:extLst>
+              <a:ext uri="{FF2B5EF4-FFF2-40B4-BE49-F238E27FC236}">
+                <a16:creationId xmlns:a16="http://schemas.microsoft.com/office/drawing/2014/main" id="{5A705BB3-EBE8-484D-AF5E-257B73C56334}"/>
+              </a:ext>
+            </a:extLst>
+          </p:cNvPr>
+          <p:cNvGrpSpPr/>
+          <p:nvPr/>
+        </p:nvGrpSpPr>
+        <p:grpSpPr>
+          <a:xfrm>
+            <a:off x="2467832" y="1969988"/>
+            <a:ext cx="3499774" cy="388665"/>
+            <a:chOff x="1646840" y="1390868"/>
+            <a:chExt cx="3499774" cy="388665"/>
+          </a:xfrm>
+        </p:grpSpPr>
+        <p:pic>
+          <p:nvPicPr>
+            <p:cNvPr id="13" name="Picture 4" descr="logo">
+              <a:extLst>
+                <a:ext uri="{FF2B5EF4-FFF2-40B4-BE49-F238E27FC236}">
+                  <a16:creationId xmlns:a16="http://schemas.microsoft.com/office/drawing/2014/main" id="{18649FBA-C6A8-442A-828F-AF759344893A}"/>
+                </a:ext>
+              </a:extLst>
+            </p:cNvPr>
+            <p:cNvPicPr>
+              <a:picLocks noChangeAspect="1" noChangeArrowheads="1"/>
+            </p:cNvPicPr>
+            <p:nvPr/>
+          </p:nvPicPr>
+          <p:blipFill>
+            <a:blip r:embed="rId2">
+              <a:extLst>
+                <a:ext uri="{28A0092B-C50C-407E-A947-70E740481C1C}">
+                  <a14:useLocalDpi xmlns:a14="http://schemas.microsoft.com/office/drawing/2010/main" val="0"/>
+                </a:ext>
+              </a:extLst>
+            </a:blip>
+            <a:srcRect/>
+            <a:stretch>
+              <a:fillRect/>
+            </a:stretch>
+          </p:blipFill>
+          <p:spPr bwMode="auto">
+            <a:xfrm>
+              <a:off x="2037302" y="1390868"/>
+              <a:ext cx="1554656" cy="388665"/>
+            </a:xfrm>
+            <a:prstGeom prst="rect">
+              <a:avLst/>
+            </a:prstGeom>
+            <a:noFill/>
+            <a:extLst>
+              <a:ext uri="{909E8E84-426E-40DD-AFC4-6F175D3DCCD1}">
+                <a14:hiddenFill xmlns:a14="http://schemas.microsoft.com/office/drawing/2010/main">
+                  <a:solidFill>
+                    <a:srgbClr val="FFFFFF"/>
+                  </a:solidFill>
+                </a14:hiddenFill>
+              </a:ext>
+            </a:extLst>
+          </p:spPr>
+        </p:pic>
+        <p:sp>
+          <p:nvSpPr>
+            <p:cNvPr id="14" name="TextBox 13">
+              <a:extLst>
+                <a:ext uri="{FF2B5EF4-FFF2-40B4-BE49-F238E27FC236}">
+                  <a16:creationId xmlns:a16="http://schemas.microsoft.com/office/drawing/2014/main" id="{ACDA14ED-BCB8-4325-909D-5B03F8046B09}"/>
+                </a:ext>
+              </a:extLst>
+            </p:cNvPr>
+            <p:cNvSpPr txBox="1"/>
+            <p:nvPr/>
+          </p:nvSpPr>
+          <p:spPr>
+            <a:xfrm>
+              <a:off x="3591958" y="1431311"/>
+              <a:ext cx="1554656" cy="307777"/>
+            </a:xfrm>
+            <a:prstGeom prst="rect">
+              <a:avLst/>
+            </a:prstGeom>
+            <a:noFill/>
+          </p:spPr>
+          <p:txBody>
+            <a:bodyPr wrap="none" rtlCol="0">
+              <a:spAutoFit/>
+            </a:bodyPr>
+            <a:lstStyle/>
+            <a:p>
+              <a:r>
+                <a:rPr lang="en-US" altLang="zh-CN" sz="1400" b="1" dirty="0">
+                  <a:solidFill>
+                    <a:schemeClr val="bg1"/>
+                  </a:solidFill>
+                </a:rPr>
+                <a:t>Image and A.I. Lab</a:t>
+              </a:r>
+              <a:endParaRPr lang="zh-CN" altLang="en-US" sz="1400" b="1" dirty="0">
+                <a:solidFill>
+                  <a:schemeClr val="bg1"/>
+                </a:solidFill>
+              </a:endParaRPr>
+            </a:p>
+          </p:txBody>
+        </p:sp>
+        <p:sp>
+          <p:nvSpPr>
+            <p:cNvPr id="15" name="TextBox 14">
+              <a:extLst>
+                <a:ext uri="{FF2B5EF4-FFF2-40B4-BE49-F238E27FC236}">
+                  <a16:creationId xmlns:a16="http://schemas.microsoft.com/office/drawing/2014/main" id="{82C2EBC6-6D1F-4E16-BFC8-4C3E1022BFB9}"/>
+                </a:ext>
+              </a:extLst>
+            </p:cNvPr>
+            <p:cNvSpPr txBox="1"/>
+            <p:nvPr/>
+          </p:nvSpPr>
+          <p:spPr>
+            <a:xfrm>
+              <a:off x="1646840" y="1431311"/>
+              <a:ext cx="304892" cy="307777"/>
+            </a:xfrm>
+            <a:prstGeom prst="rect">
+              <a:avLst/>
+            </a:prstGeom>
+            <a:noFill/>
+          </p:spPr>
+          <p:txBody>
+            <a:bodyPr wrap="none" rtlCol="0">
+              <a:spAutoFit/>
+            </a:bodyPr>
+            <a:lstStyle/>
+            <a:p>
+              <a:r>
+                <a:rPr lang="en-US" altLang="zh-CN" sz="1400" b="1" dirty="0">
+                  <a:solidFill>
+                    <a:schemeClr val="bg1"/>
+                  </a:solidFill>
+                </a:rPr>
+                <a:t>   </a:t>
+              </a:r>
+              <a:endParaRPr lang="zh-CN" altLang="en-US" sz="1400" b="1" dirty="0">
+                <a:solidFill>
+                  <a:schemeClr val="bg1"/>
+                </a:solidFill>
+              </a:endParaRPr>
+            </a:p>
+          </p:txBody>
+        </p:sp>
+      </p:grpSp>
+    </p:spTree>
+    <p:extLst>
+      <p:ext uri="{BB962C8B-B14F-4D97-AF65-F5344CB8AC3E}">
+        <p14:creationId xmlns:p14="http://schemas.microsoft.com/office/powerpoint/2010/main" val="3809728060"/>
+      </p:ext>
+    </p:extLst>
+  </p:cSld>
+  <p:clrMapOvr>
+    <a:masterClrMapping/>
+  </p:clrMapOvr>
+</p:sld>
+</file>
+
 <file path=ppt/theme/theme1.xml><?xml version="1.0" encoding="utf-8"?>
 <a:theme xmlns:a="http://schemas.openxmlformats.org/drawingml/2006/main" name="Office 主题">
   <a:themeElements>
